--- a/Architecture Model.pptx
+++ b/Architecture Model.pptx
@@ -5,8 +5,7 @@
     <p:sldMasterId id="2147483648" r:id="rId1"/>
   </p:sldMasterIdLst>
   <p:sldIdLst>
-    <p:sldId id="256" r:id="rId2"/>
-    <p:sldId id="257" r:id="rId3"/>
+    <p:sldId id="257" r:id="rId2"/>
   </p:sldIdLst>
   <p:sldSz cx="12192000" cy="6858000"/>
   <p:notesSz cx="6858000" cy="9144000"/>
@@ -105,6 +104,11 @@
       </a:defRPr>
     </a:lvl9pPr>
   </p:defaultTextStyle>
+  <p:extLst>
+    <p:ext uri="{EFAFB233-063F-42B5-8137-9DF3F51BA10A}">
+      <p15:sldGuideLst xmlns:p15="http://schemas.microsoft.com/office/powerpoint/2012/main"/>
+    </p:ext>
+  </p:extLst>
 </p:presentation>
 </file>
 
@@ -3324,86 +3328,6 @@
       </p:grpSpPr>
       <p:sp>
         <p:nvSpPr>
-          <p:cNvPr id="2" name="Titel 1">
-            <a:extLst>
-              <a:ext uri="{FF2B5EF4-FFF2-40B4-BE49-F238E27FC236}">
-                <a16:creationId xmlns:a16="http://schemas.microsoft.com/office/drawing/2014/main" id="{286808A8-C4DA-600F-B5ED-6AC8EE23C74A}"/>
-              </a:ext>
-            </a:extLst>
-          </p:cNvPr>
-          <p:cNvSpPr>
-            <a:spLocks noGrp="1"/>
-          </p:cNvSpPr>
-          <p:nvPr>
-            <p:ph type="ctrTitle"/>
-          </p:nvPr>
-        </p:nvSpPr>
-        <p:spPr/>
-        <p:txBody>
-          <a:bodyPr/>
-          <a:lstStyle/>
-          <a:p>
-            <a:endParaRPr lang="de-DE"/>
-          </a:p>
-        </p:txBody>
-      </p:sp>
-      <p:sp>
-        <p:nvSpPr>
-          <p:cNvPr id="3" name="Untertitel 2">
-            <a:extLst>
-              <a:ext uri="{FF2B5EF4-FFF2-40B4-BE49-F238E27FC236}">
-                <a16:creationId xmlns:a16="http://schemas.microsoft.com/office/drawing/2014/main" id="{E8F0C062-A8E0-AFCE-5266-AB05329639AF}"/>
-              </a:ext>
-            </a:extLst>
-          </p:cNvPr>
-          <p:cNvSpPr>
-            <a:spLocks noGrp="1"/>
-          </p:cNvSpPr>
-          <p:nvPr>
-            <p:ph type="subTitle" idx="1"/>
-          </p:nvPr>
-        </p:nvSpPr>
-        <p:spPr/>
-        <p:txBody>
-          <a:bodyPr/>
-          <a:lstStyle/>
-          <a:p>
-            <a:endParaRPr lang="de-DE" dirty="0"/>
-          </a:p>
-        </p:txBody>
-      </p:sp>
-    </p:spTree>
-    <p:extLst>
-      <p:ext uri="{BB962C8B-B14F-4D97-AF65-F5344CB8AC3E}">
-        <p14:creationId xmlns:p14="http://schemas.microsoft.com/office/powerpoint/2010/main" val="2421467526"/>
-      </p:ext>
-    </p:extLst>
-  </p:cSld>
-  <p:clrMapOvr>
-    <a:masterClrMapping/>
-  </p:clrMapOvr>
-</p:sld>
-</file>
-
-<file path=ppt/slides/slide2.xml><?xml version="1.0" encoding="utf-8"?>
-<p:sld xmlns:a="http://schemas.openxmlformats.org/drawingml/2006/main" xmlns:r="http://schemas.openxmlformats.org/officeDocument/2006/relationships" xmlns:p="http://schemas.openxmlformats.org/presentationml/2006/main">
-  <p:cSld>
-    <p:spTree>
-      <p:nvGrpSpPr>
-        <p:cNvPr id="1" name=""/>
-        <p:cNvGrpSpPr/>
-        <p:nvPr/>
-      </p:nvGrpSpPr>
-      <p:grpSpPr>
-        <a:xfrm>
-          <a:off x="0" y="0"/>
-          <a:ext cx="0" cy="0"/>
-          <a:chOff x="0" y="0"/>
-          <a:chExt cx="0" cy="0"/>
-        </a:xfrm>
-      </p:grpSpPr>
-      <p:sp>
-        <p:nvSpPr>
           <p:cNvPr id="31" name="Ellipse 30">
             <a:extLst>
               <a:ext uri="{FF2B5EF4-FFF2-40B4-BE49-F238E27FC236}">
@@ -4526,9 +4450,9 @@
           <p:nvPr/>
         </p:nvCxnSpPr>
         <p:spPr>
-          <a:xfrm flipH="1" flipV="1">
-            <a:off x="3022634" y="2115127"/>
-            <a:ext cx="2455467" cy="158248"/>
+          <a:xfrm flipH="1">
+            <a:off x="3022634" y="1972779"/>
+            <a:ext cx="2485965" cy="142348"/>
           </a:xfrm>
           <a:prstGeom prst="straightConnector1">
             <a:avLst/>
@@ -4568,8 +4492,8 @@
         </p:nvCxnSpPr>
         <p:spPr>
           <a:xfrm flipH="1">
-            <a:off x="2203601" y="2273375"/>
-            <a:ext cx="3274500" cy="848516"/>
+            <a:off x="2203601" y="2068335"/>
+            <a:ext cx="3311528" cy="1053556"/>
           </a:xfrm>
           <a:prstGeom prst="straightConnector1">
             <a:avLst/>
@@ -4609,8 +4533,8 @@
         </p:nvCxnSpPr>
         <p:spPr>
           <a:xfrm flipV="1">
-            <a:off x="4500247" y="2416979"/>
-            <a:ext cx="1199823" cy="1065130"/>
+            <a:off x="4500247" y="2365469"/>
+            <a:ext cx="1154537" cy="1116640"/>
           </a:xfrm>
           <a:prstGeom prst="straightConnector1">
             <a:avLst/>
@@ -4651,8 +4575,8 @@
         </p:nvCxnSpPr>
         <p:spPr>
           <a:xfrm flipH="1">
-            <a:off x="2855082" y="2449363"/>
-            <a:ext cx="2662294" cy="1465198"/>
+            <a:off x="2863273" y="2261032"/>
+            <a:ext cx="2714891" cy="1710604"/>
           </a:xfrm>
           <a:prstGeom prst="straightConnector1">
             <a:avLst/>
@@ -4929,6 +4853,133 @@
           </a:fillRef>
           <a:effectRef idx="2">
             <a:schemeClr val="accent3"/>
+          </a:effectRef>
+          <a:fontRef idx="minor">
+            <a:schemeClr val="tx1"/>
+          </a:fontRef>
+        </p:style>
+      </p:cxnSp>
+      <p:cxnSp>
+        <p:nvCxnSpPr>
+          <p:cNvPr id="42" name="Gerade Verbindung mit Pfeil 41">
+            <a:extLst>
+              <a:ext uri="{FF2B5EF4-FFF2-40B4-BE49-F238E27FC236}">
+                <a16:creationId xmlns:a16="http://schemas.microsoft.com/office/drawing/2014/main" id="{D76910B4-0D4A-0939-0B6B-63DB035D4CA6}"/>
+              </a:ext>
+            </a:extLst>
+          </p:cNvPr>
+          <p:cNvCxnSpPr>
+            <a:cxnSpLocks/>
+          </p:cNvCxnSpPr>
+          <p:nvPr/>
+        </p:nvCxnSpPr>
+        <p:spPr>
+          <a:xfrm flipV="1">
+            <a:off x="2774080" y="2135007"/>
+            <a:ext cx="2753113" cy="1718011"/>
+          </a:xfrm>
+          <a:prstGeom prst="straightConnector1">
+            <a:avLst/>
+          </a:prstGeom>
+          <a:ln>
+            <a:tailEnd type="triangle"/>
+          </a:ln>
+        </p:spPr>
+        <p:style>
+          <a:lnRef idx="3">
+            <a:schemeClr val="accent4"/>
+          </a:lnRef>
+          <a:fillRef idx="0">
+            <a:schemeClr val="accent4"/>
+          </a:fillRef>
+          <a:effectRef idx="2">
+            <a:schemeClr val="accent4"/>
+          </a:effectRef>
+          <a:fontRef idx="minor">
+            <a:schemeClr val="tx1"/>
+          </a:fontRef>
+        </p:style>
+      </p:cxnSp>
+      <p:cxnSp>
+        <p:nvCxnSpPr>
+          <p:cNvPr id="33" name="Verbinder: gekrümmt 32">
+            <a:extLst>
+              <a:ext uri="{FF2B5EF4-FFF2-40B4-BE49-F238E27FC236}">
+                <a16:creationId xmlns:a16="http://schemas.microsoft.com/office/drawing/2014/main" id="{D58F8198-349A-6DC4-FC01-0C7163DA3464}"/>
+              </a:ext>
+            </a:extLst>
+          </p:cNvPr>
+          <p:cNvCxnSpPr>
+            <a:cxnSpLocks/>
+          </p:cNvCxnSpPr>
+          <p:nvPr/>
+        </p:nvCxnSpPr>
+        <p:spPr>
+          <a:xfrm rot="10800000" flipV="1">
+            <a:off x="1594379" y="2472392"/>
+            <a:ext cx="4325252" cy="3798000"/>
+          </a:xfrm>
+          <a:prstGeom prst="curvedConnector3">
+            <a:avLst>
+              <a:gd name="adj1" fmla="val 1953"/>
+            </a:avLst>
+          </a:prstGeom>
+          <a:ln>
+            <a:tailEnd type="triangle"/>
+          </a:ln>
+        </p:spPr>
+        <p:style>
+          <a:lnRef idx="3">
+            <a:schemeClr val="accent4"/>
+          </a:lnRef>
+          <a:fillRef idx="0">
+            <a:schemeClr val="accent4"/>
+          </a:fillRef>
+          <a:effectRef idx="2">
+            <a:schemeClr val="accent4"/>
+          </a:effectRef>
+          <a:fontRef idx="minor">
+            <a:schemeClr val="tx1"/>
+          </a:fontRef>
+        </p:style>
+      </p:cxnSp>
+      <p:cxnSp>
+        <p:nvCxnSpPr>
+          <p:cNvPr id="76" name="Verbinder: gekrümmt 75">
+            <a:extLst>
+              <a:ext uri="{FF2B5EF4-FFF2-40B4-BE49-F238E27FC236}">
+                <a16:creationId xmlns:a16="http://schemas.microsoft.com/office/drawing/2014/main" id="{06B8F2F6-4D29-FEF3-AF73-68A00B971E47}"/>
+              </a:ext>
+            </a:extLst>
+          </p:cNvPr>
+          <p:cNvCxnSpPr>
+            <a:cxnSpLocks/>
+          </p:cNvCxnSpPr>
+          <p:nvPr/>
+        </p:nvCxnSpPr>
+        <p:spPr>
+          <a:xfrm flipV="1">
+            <a:off x="6847059" y="1466064"/>
+            <a:ext cx="3727978" cy="506715"/>
+          </a:xfrm>
+          <a:prstGeom prst="curvedConnector3">
+            <a:avLst>
+              <a:gd name="adj1" fmla="val 34887"/>
+            </a:avLst>
+          </a:prstGeom>
+          <a:ln>
+            <a:tailEnd type="triangle"/>
+          </a:ln>
+        </p:spPr>
+        <p:style>
+          <a:lnRef idx="3">
+            <a:schemeClr val="accent4"/>
+          </a:lnRef>
+          <a:fillRef idx="0">
+            <a:schemeClr val="accent4"/>
+          </a:fillRef>
+          <a:effectRef idx="2">
+            <a:schemeClr val="accent4"/>
           </a:effectRef>
           <a:fontRef idx="minor">
             <a:schemeClr val="tx1"/>
